--- a/youngdeveloper/backup/t3p tmp/3.JavaScript-jQuery-Ajax/ajax.pptx
+++ b/youngdeveloper/backup/t3p tmp/3.JavaScript-jQuery-Ajax/ajax.pptx
@@ -6,13 +6,9 @@
   </p:sldMasterIdLst>
   <p:sldIdLst>
     <p:sldId id="256" r:id="rId2"/>
-    <p:sldId id="261" r:id="rId3"/>
-    <p:sldId id="260" r:id="rId4"/>
-    <p:sldId id="259" r:id="rId5"/>
-    <p:sldId id="262" r:id="rId6"/>
-    <p:sldId id="263" r:id="rId7"/>
-    <p:sldId id="257" r:id="rId8"/>
-    <p:sldId id="258" r:id="rId9"/>
+    <p:sldId id="259" r:id="rId3"/>
+    <p:sldId id="257" r:id="rId4"/>
+    <p:sldId id="258" r:id="rId5"/>
   </p:sldIdLst>
   <p:sldSz cx="9144000" cy="6858000" type="screen4x3"/>
   <p:notesSz cx="6858000" cy="9144000"/>
@@ -296,7 +292,7 @@
             <a:fld id="{1D8BD707-D9CF-40AE-B4C6-C98DA3205C09}" type="datetimeFigureOut">
               <a:rPr lang="en-US" smtClean="0"/>
               <a:pPr/>
-              <a:t>5/16/2018</a:t>
+              <a:t>5/11/2018</a:t>
             </a:fld>
             <a:endParaRPr lang="en-US"/>
           </a:p>
@@ -463,7 +459,7 @@
             <a:fld id="{1D8BD707-D9CF-40AE-B4C6-C98DA3205C09}" type="datetimeFigureOut">
               <a:rPr lang="en-US" smtClean="0"/>
               <a:pPr/>
-              <a:t>5/16/2018</a:t>
+              <a:t>5/11/2018</a:t>
             </a:fld>
             <a:endParaRPr lang="en-US"/>
           </a:p>
@@ -640,7 +636,7 @@
             <a:fld id="{1D8BD707-D9CF-40AE-B4C6-C98DA3205C09}" type="datetimeFigureOut">
               <a:rPr lang="en-US" smtClean="0"/>
               <a:pPr/>
-              <a:t>5/16/2018</a:t>
+              <a:t>5/11/2018</a:t>
             </a:fld>
             <a:endParaRPr lang="en-US"/>
           </a:p>
@@ -807,7 +803,7 @@
             <a:fld id="{1D8BD707-D9CF-40AE-B4C6-C98DA3205C09}" type="datetimeFigureOut">
               <a:rPr lang="en-US" smtClean="0"/>
               <a:pPr/>
-              <a:t>5/16/2018</a:t>
+              <a:t>5/11/2018</a:t>
             </a:fld>
             <a:endParaRPr lang="en-US"/>
           </a:p>
@@ -1050,7 +1046,7 @@
             <a:fld id="{1D8BD707-D9CF-40AE-B4C6-C98DA3205C09}" type="datetimeFigureOut">
               <a:rPr lang="en-US" smtClean="0"/>
               <a:pPr/>
-              <a:t>5/16/2018</a:t>
+              <a:t>5/11/2018</a:t>
             </a:fld>
             <a:endParaRPr lang="en-US"/>
           </a:p>
@@ -1335,7 +1331,7 @@
             <a:fld id="{1D8BD707-D9CF-40AE-B4C6-C98DA3205C09}" type="datetimeFigureOut">
               <a:rPr lang="en-US" smtClean="0"/>
               <a:pPr/>
-              <a:t>5/16/2018</a:t>
+              <a:t>5/11/2018</a:t>
             </a:fld>
             <a:endParaRPr lang="en-US"/>
           </a:p>
@@ -1754,7 +1750,7 @@
             <a:fld id="{1D8BD707-D9CF-40AE-B4C6-C98DA3205C09}" type="datetimeFigureOut">
               <a:rPr lang="en-US" smtClean="0"/>
               <a:pPr/>
-              <a:t>5/16/2018</a:t>
+              <a:t>5/11/2018</a:t>
             </a:fld>
             <a:endParaRPr lang="en-US"/>
           </a:p>
@@ -1869,7 +1865,7 @@
             <a:fld id="{1D8BD707-D9CF-40AE-B4C6-C98DA3205C09}" type="datetimeFigureOut">
               <a:rPr lang="en-US" smtClean="0"/>
               <a:pPr/>
-              <a:t>5/16/2018</a:t>
+              <a:t>5/11/2018</a:t>
             </a:fld>
             <a:endParaRPr lang="en-US"/>
           </a:p>
@@ -1961,7 +1957,7 @@
             <a:fld id="{1D8BD707-D9CF-40AE-B4C6-C98DA3205C09}" type="datetimeFigureOut">
               <a:rPr lang="en-US" smtClean="0"/>
               <a:pPr/>
-              <a:t>5/16/2018</a:t>
+              <a:t>5/11/2018</a:t>
             </a:fld>
             <a:endParaRPr lang="en-US"/>
           </a:p>
@@ -2235,7 +2231,7 @@
             <a:fld id="{1D8BD707-D9CF-40AE-B4C6-C98DA3205C09}" type="datetimeFigureOut">
               <a:rPr lang="en-US" smtClean="0"/>
               <a:pPr/>
-              <a:t>5/16/2018</a:t>
+              <a:t>5/11/2018</a:t>
             </a:fld>
             <a:endParaRPr lang="en-US"/>
           </a:p>
@@ -2485,7 +2481,7 @@
             <a:fld id="{1D8BD707-D9CF-40AE-B4C6-C98DA3205C09}" type="datetimeFigureOut">
               <a:rPr lang="en-US" smtClean="0"/>
               <a:pPr/>
-              <a:t>5/16/2018</a:t>
+              <a:t>5/11/2018</a:t>
             </a:fld>
             <a:endParaRPr lang="en-US"/>
           </a:p>
@@ -2695,7 +2691,7 @@
             <a:fld id="{1D8BD707-D9CF-40AE-B4C6-C98DA3205C09}" type="datetimeFigureOut">
               <a:rPr lang="en-US" smtClean="0"/>
               <a:pPr/>
-              <a:t>5/16/2018</a:t>
+              <a:t>5/11/2018</a:t>
             </a:fld>
             <a:endParaRPr lang="en-US"/>
           </a:p>
@@ -3154,13 +3150,6 @@
   <p:clrMapOvr>
     <a:masterClrMapping/>
   </p:clrMapOvr>
-  <p:timing>
-    <p:tnLst>
-      <p:par>
-        <p:cTn id="1" dur="indefinite" restart="never" nodeType="tmRoot"/>
-      </p:par>
-    </p:tnLst>
-  </p:timing>
 </p:sld>
 </file>
 
@@ -3197,8 +3186,31 @@
           <a:lstStyle/>
           <a:p>
             <a:r>
+              <a:rPr lang="en-US" dirty="0" smtClean="0"/>
+              <a:t>Ajax</a:t>
+            </a:r>
+            <a:endParaRPr lang="en-GB" dirty="0"/>
+          </a:p>
+        </p:txBody>
+      </p:sp>
+      <p:sp>
+        <p:nvSpPr>
+          <p:cNvPr id="3" name="Content Placeholder 2"/>
+          <p:cNvSpPr>
+            <a:spLocks noGrp="1"/>
+          </p:cNvSpPr>
+          <p:nvPr>
+            <p:ph idx="1"/>
+          </p:nvPr>
+        </p:nvSpPr>
+        <p:spPr/>
+        <p:txBody>
+          <a:bodyPr/>
+          <a:lstStyle/>
+          <a:p>
+            <a:r>
               <a:rPr lang="en-US" dirty="0" err="1" smtClean="0"/>
-              <a:t>Mục</a:t>
+              <a:t>Không</a:t>
             </a:r>
             <a:r>
               <a:rPr lang="en-US" dirty="0" smtClean="0"/>
@@ -3206,30 +3218,7 @@
             </a:r>
             <a:r>
               <a:rPr lang="en-US" dirty="0" err="1" smtClean="0"/>
-              <a:t>tiêu</a:t>
-            </a:r>
-            <a:endParaRPr lang="en-GB" dirty="0"/>
-          </a:p>
-        </p:txBody>
-      </p:sp>
-      <p:sp>
-        <p:nvSpPr>
-          <p:cNvPr id="3" name="Content Placeholder 2"/>
-          <p:cNvSpPr>
-            <a:spLocks noGrp="1"/>
-          </p:cNvSpPr>
-          <p:nvPr>
-            <p:ph idx="1"/>
-          </p:nvPr>
-        </p:nvSpPr>
-        <p:spPr/>
-        <p:txBody>
-          <a:bodyPr/>
-          <a:lstStyle/>
-          <a:p>
-            <a:r>
-              <a:rPr lang="en-US" dirty="0" err="1" smtClean="0"/>
-              <a:t>Dữ</a:t>
+              <a:t>phải</a:t>
             </a:r>
             <a:r>
               <a:rPr lang="en-US" dirty="0" smtClean="0"/>
@@ -3237,7 +3226,7 @@
             </a:r>
             <a:r>
               <a:rPr lang="en-US" dirty="0" err="1" smtClean="0"/>
-              <a:t>liệu</a:t>
+              <a:t>ngôn</a:t>
             </a:r>
             <a:r>
               <a:rPr lang="en-US" dirty="0" smtClean="0"/>
@@ -3245,18 +3234,7 @@
             </a:r>
             <a:r>
               <a:rPr lang="en-US" dirty="0" err="1" smtClean="0"/>
-              <a:t>truyền</a:t>
-            </a:r>
-            <a:endParaRPr lang="en-US" dirty="0" smtClean="0"/>
-          </a:p>
-          <a:p>
-            <a:r>
-              <a:rPr lang="en-US" dirty="0" smtClean="0"/>
-              <a:t>Ajax </a:t>
-            </a:r>
-            <a:r>
-              <a:rPr lang="en-US" dirty="0" err="1" smtClean="0"/>
-              <a:t>là</a:t>
+              <a:t>ngữ</a:t>
             </a:r>
             <a:r>
               <a:rPr lang="en-US" dirty="0" smtClean="0"/>
@@ -3264,21 +3242,7 @@
             </a:r>
             <a:r>
               <a:rPr lang="en-US" dirty="0" err="1" smtClean="0"/>
-              <a:t>gì</a:t>
-            </a:r>
-            <a:r>
-              <a:rPr lang="en-US" dirty="0" smtClean="0"/>
-              <a:t>?</a:t>
-            </a:r>
-          </a:p>
-          <a:p>
-            <a:r>
-              <a:rPr lang="en-US" dirty="0" smtClean="0"/>
-              <a:t>Ajax </a:t>
-            </a:r>
-            <a:r>
-              <a:rPr lang="en-US" dirty="0" err="1" smtClean="0"/>
-              <a:t>để</a:t>
+              <a:t>lập</a:t>
             </a:r>
             <a:r>
               <a:rPr lang="en-US" dirty="0" smtClean="0"/>
@@ -3286,93 +3250,22 @@
             </a:r>
             <a:r>
               <a:rPr lang="en-US" dirty="0" err="1" smtClean="0"/>
-              <a:t>làm</a:t>
-            </a:r>
-            <a:r>
-              <a:rPr lang="en-US" dirty="0" smtClean="0"/>
-              <a:t> </a:t>
-            </a:r>
-            <a:r>
-              <a:rPr lang="en-US" dirty="0" err="1" smtClean="0"/>
-              <a:t>gì</a:t>
-            </a:r>
-            <a:endParaRPr lang="en-US" dirty="0" smtClean="0"/>
-          </a:p>
-          <a:p>
-            <a:r>
-              <a:rPr lang="en-US" dirty="0" err="1" smtClean="0"/>
-              <a:t>Các</a:t>
-            </a:r>
-            <a:r>
-              <a:rPr lang="en-US" dirty="0" smtClean="0"/>
-              <a:t> </a:t>
-            </a:r>
-            <a:r>
-              <a:rPr lang="en-US" dirty="0" err="1" smtClean="0"/>
-              <a:t>thành</a:t>
-            </a:r>
-            <a:r>
-              <a:rPr lang="en-US" dirty="0" smtClean="0"/>
-              <a:t> </a:t>
-            </a:r>
-            <a:r>
-              <a:rPr lang="en-US" dirty="0" err="1" smtClean="0"/>
-              <a:t>phần</a:t>
-            </a:r>
-            <a:r>
-              <a:rPr lang="en-US" dirty="0" smtClean="0"/>
-              <a:t> Ajax</a:t>
-            </a:r>
-            <a:endParaRPr lang="en-GB" dirty="0" smtClean="0"/>
-          </a:p>
-          <a:p>
-            <a:r>
-              <a:rPr lang="en-US" dirty="0" err="1" smtClean="0"/>
-              <a:t>Kiểu</a:t>
-            </a:r>
-            <a:r>
-              <a:rPr lang="en-US" dirty="0" smtClean="0"/>
-              <a:t> </a:t>
-            </a:r>
-            <a:r>
-              <a:rPr lang="en-US" dirty="0" err="1" smtClean="0"/>
-              <a:t>dữ</a:t>
-            </a:r>
-            <a:r>
-              <a:rPr lang="en-US" dirty="0" smtClean="0"/>
-              <a:t> </a:t>
-            </a:r>
-            <a:r>
-              <a:rPr lang="en-US" dirty="0" err="1" smtClean="0"/>
-              <a:t>liệu</a:t>
-            </a:r>
-            <a:r>
-              <a:rPr lang="en-US" dirty="0" smtClean="0"/>
-              <a:t> JSON, XML</a:t>
-            </a:r>
-          </a:p>
-          <a:p>
-            <a:endParaRPr lang="en-US" dirty="0" smtClean="0"/>
+              <a:t>trình</a:t>
+            </a:r>
+            <a:endParaRPr lang="en-GB" dirty="0"/>
           </a:p>
         </p:txBody>
       </p:sp>
     </p:spTree>
     <p:extLst>
       <p:ext uri="{BB962C8B-B14F-4D97-AF65-F5344CB8AC3E}">
-        <p14:creationId xmlns:p14="http://schemas.microsoft.com/office/powerpoint/2010/main" val="302976490"/>
+        <p14:creationId xmlns:p14="http://schemas.microsoft.com/office/powerpoint/2010/main" val="3876637152"/>
       </p:ext>
     </p:extLst>
   </p:cSld>
   <p:clrMapOvr>
     <a:masterClrMapping/>
   </p:clrMapOvr>
-  <p:timing>
-    <p:tnLst>
-      <p:par>
-        <p:cTn id="1" dur="indefinite" restart="never" nodeType="tmRoot"/>
-      </p:par>
-    </p:tnLst>
-  </p:timing>
 </p:sld>
 </file>
 
@@ -3395,6 +3288,41 @@
       </p:grpSpPr>
       <p:sp>
         <p:nvSpPr>
+          <p:cNvPr id="2" name="Title 1"/>
+          <p:cNvSpPr>
+            <a:spLocks noGrp="1"/>
+          </p:cNvSpPr>
+          <p:nvPr>
+            <p:ph type="title"/>
+          </p:nvPr>
+        </p:nvSpPr>
+        <p:spPr/>
+        <p:txBody>
+          <a:bodyPr/>
+          <a:lstStyle/>
+          <a:p>
+            <a:r>
+              <a:rPr lang="en-US" dirty="0" err="1" smtClean="0"/>
+              <a:t>Mục</a:t>
+            </a:r>
+            <a:r>
+              <a:rPr lang="en-US" dirty="0" smtClean="0"/>
+              <a:t> </a:t>
+            </a:r>
+            <a:r>
+              <a:rPr lang="en-US" dirty="0" err="1" smtClean="0"/>
+              <a:t>đích</a:t>
+            </a:r>
+            <a:r>
+              <a:rPr lang="en-US" dirty="0" smtClean="0"/>
+              <a:t> Ajax</a:t>
+            </a:r>
+            <a:endParaRPr lang="en-GB" dirty="0"/>
+          </a:p>
+        </p:txBody>
+      </p:sp>
+      <p:sp>
+        <p:nvSpPr>
           <p:cNvPr id="3" name="Content Placeholder 2"/>
           <p:cNvSpPr>
             <a:spLocks noGrp="1"/>
@@ -3403,220 +3331,195 @@
             <p:ph idx="1"/>
           </p:nvPr>
         </p:nvSpPr>
-        <p:spPr>
-          <a:xfrm>
-            <a:off x="2286000" y="2590800"/>
-            <a:ext cx="5334000" cy="838200"/>
-          </a:xfrm>
-        </p:spPr>
-        <p:txBody>
-          <a:bodyPr>
-            <a:normAutofit/>
-          </a:bodyPr>
-          <a:lstStyle/>
-          <a:p>
-            <a:pPr marL="0" indent="0">
-              <a:buNone/>
-            </a:pPr>
-            <a:r>
-              <a:rPr lang="en-US" sz="4200" dirty="0" err="1" smtClean="0"/>
-              <a:t>Bạn</a:t>
-            </a:r>
-            <a:r>
-              <a:rPr lang="en-US" sz="4200" dirty="0" smtClean="0"/>
+        <p:spPr/>
+        <p:txBody>
+          <a:bodyPr/>
+          <a:lstStyle/>
+          <a:p>
+            <a:r>
+              <a:rPr lang="en-US" dirty="0" err="1" smtClean="0"/>
+              <a:t>Không</a:t>
+            </a:r>
+            <a:r>
+              <a:rPr lang="en-US" dirty="0" smtClean="0"/>
               <a:t> </a:t>
             </a:r>
             <a:r>
-              <a:rPr lang="en-US" sz="4200" dirty="0" err="1" smtClean="0"/>
-              <a:t>biết</a:t>
-            </a:r>
-            <a:r>
-              <a:rPr lang="en-US" sz="4200" dirty="0" smtClean="0"/>
+              <a:rPr lang="en-US" dirty="0" err="1" smtClean="0"/>
+              <a:t>tải</a:t>
+            </a:r>
+            <a:r>
+              <a:rPr lang="en-US" dirty="0" smtClean="0"/>
               <a:t> </a:t>
             </a:r>
             <a:r>
-              <a:rPr lang="en-US" sz="4200" dirty="0" err="1" smtClean="0"/>
-              <a:t>gì</a:t>
-            </a:r>
-            <a:r>
-              <a:rPr lang="en-US" sz="4200" dirty="0" smtClean="0"/>
+              <a:rPr lang="en-US" dirty="0" err="1" smtClean="0"/>
+              <a:t>lại</a:t>
+            </a:r>
+            <a:r>
+              <a:rPr lang="en-US" dirty="0" smtClean="0"/>
               <a:t> </a:t>
             </a:r>
             <a:r>
-              <a:rPr lang="en-US" sz="4200" dirty="0" err="1" smtClean="0"/>
-              <a:t>về</a:t>
-            </a:r>
-            <a:r>
-              <a:rPr lang="en-US" sz="4200" dirty="0" smtClean="0"/>
-              <a:t> Ajax?</a:t>
-            </a:r>
-          </a:p>
-          <a:p>
-            <a:pPr marL="0" indent="0">
-              <a:buNone/>
-            </a:pPr>
-            <a:endParaRPr lang="en-GB" sz="4200" dirty="0"/>
+              <a:rPr lang="en-US" dirty="0" err="1" smtClean="0"/>
+              <a:t>trang</a:t>
+            </a:r>
+            <a:r>
+              <a:rPr lang="en-US" dirty="0" smtClean="0"/>
+              <a:t> web </a:t>
+            </a:r>
+            <a:r>
+              <a:rPr lang="en-US" dirty="0" err="1" smtClean="0"/>
+              <a:t>và</a:t>
+            </a:r>
+            <a:r>
+              <a:rPr lang="en-US" dirty="0" smtClean="0"/>
+              <a:t> </a:t>
+            </a:r>
+            <a:r>
+              <a:rPr lang="en-US" dirty="0" err="1" smtClean="0"/>
+              <a:t>thực</a:t>
+            </a:r>
+            <a:r>
+              <a:rPr lang="en-US" dirty="0" smtClean="0"/>
+              <a:t> </a:t>
+            </a:r>
+            <a:r>
+              <a:rPr lang="en-US" dirty="0" err="1" smtClean="0"/>
+              <a:t>hiện</a:t>
+            </a:r>
+            <a:r>
+              <a:rPr lang="en-US" dirty="0" smtClean="0"/>
+              <a:t>:</a:t>
+            </a:r>
+          </a:p>
+          <a:p>
+            <a:pPr lvl="1"/>
+            <a:r>
+              <a:rPr lang="vi-VN" dirty="0"/>
+              <a:t>Cập nhật trang </a:t>
+            </a:r>
+            <a:r>
+              <a:rPr lang="vi-VN" dirty="0" smtClean="0"/>
+              <a:t>web</a:t>
+            </a:r>
+            <a:endParaRPr lang="vi-VN" dirty="0"/>
+          </a:p>
+          <a:p>
+            <a:pPr lvl="1"/>
+            <a:r>
+              <a:rPr lang="vi-VN" dirty="0"/>
+              <a:t>Yêu cầu dữ liệu từ máy </a:t>
+            </a:r>
+            <a:r>
+              <a:rPr lang="vi-VN" dirty="0" smtClean="0"/>
+              <a:t>chủ</a:t>
+            </a:r>
+            <a:endParaRPr lang="en-US" dirty="0" smtClean="0"/>
+          </a:p>
+          <a:p>
+            <a:pPr lvl="1"/>
+            <a:r>
+              <a:rPr lang="vi-VN" dirty="0" smtClean="0"/>
+              <a:t>Nhận </a:t>
+            </a:r>
+            <a:r>
+              <a:rPr lang="vi-VN" dirty="0"/>
+              <a:t>dữ liệu từ máy chủ </a:t>
+            </a:r>
+            <a:endParaRPr lang="en-US" dirty="0" smtClean="0"/>
+          </a:p>
+          <a:p>
+            <a:pPr lvl="1"/>
+            <a:r>
+              <a:rPr lang="vi-VN" dirty="0" smtClean="0"/>
+              <a:t>Gửi </a:t>
+            </a:r>
+            <a:r>
+              <a:rPr lang="vi-VN" dirty="0"/>
+              <a:t>dữ liệu đến máy </a:t>
+            </a:r>
+            <a:r>
+              <a:rPr lang="vi-VN" dirty="0" smtClean="0"/>
+              <a:t>chủ</a:t>
+            </a:r>
+            <a:endParaRPr lang="en-GB" dirty="0" smtClean="0"/>
+          </a:p>
+          <a:p>
+            <a:r>
+              <a:rPr lang="en-US" dirty="0" err="1" smtClean="0"/>
+              <a:t>Tạo</a:t>
+            </a:r>
+            <a:r>
+              <a:rPr lang="en-US" dirty="0" smtClean="0"/>
+              <a:t> </a:t>
+            </a:r>
+            <a:r>
+              <a:rPr lang="en-US" dirty="0" err="1" smtClean="0"/>
+              <a:t>ra</a:t>
+            </a:r>
+            <a:r>
+              <a:rPr lang="en-US" dirty="0" smtClean="0"/>
+              <a:t> </a:t>
+            </a:r>
+            <a:r>
+              <a:rPr lang="en-US" dirty="0" err="1" smtClean="0"/>
+              <a:t>sự</a:t>
+            </a:r>
+            <a:r>
+              <a:rPr lang="en-US" dirty="0" smtClean="0"/>
+              <a:t> </a:t>
+            </a:r>
+            <a:r>
+              <a:rPr lang="en-US" dirty="0" err="1" smtClean="0"/>
+              <a:t>thân</a:t>
+            </a:r>
+            <a:r>
+              <a:rPr lang="en-US" dirty="0" smtClean="0"/>
+              <a:t> </a:t>
+            </a:r>
+            <a:r>
+              <a:rPr lang="en-US" dirty="0" err="1" smtClean="0"/>
+              <a:t>thiện</a:t>
+            </a:r>
+            <a:r>
+              <a:rPr lang="en-US" dirty="0" smtClean="0"/>
+              <a:t> </a:t>
+            </a:r>
+            <a:r>
+              <a:rPr lang="en-US" dirty="0" err="1" smtClean="0"/>
+              <a:t>với</a:t>
+            </a:r>
+            <a:r>
+              <a:rPr lang="en-US" dirty="0" smtClean="0"/>
+              <a:t> </a:t>
+            </a:r>
+            <a:r>
+              <a:rPr lang="en-US" dirty="0" err="1" smtClean="0"/>
+              <a:t>người</a:t>
+            </a:r>
+            <a:r>
+              <a:rPr lang="en-US" dirty="0" smtClean="0"/>
+              <a:t> </a:t>
+            </a:r>
+            <a:r>
+              <a:rPr lang="en-US" dirty="0" err="1" smtClean="0"/>
+              <a:t>dùng</a:t>
+            </a:r>
+            <a:endParaRPr lang="en-US" dirty="0" smtClean="0"/>
           </a:p>
         </p:txBody>
       </p:sp>
     </p:spTree>
     <p:extLst>
       <p:ext uri="{BB962C8B-B14F-4D97-AF65-F5344CB8AC3E}">
-        <p14:creationId xmlns:p14="http://schemas.microsoft.com/office/powerpoint/2010/main" val="71315020"/>
+        <p14:creationId xmlns:p14="http://schemas.microsoft.com/office/powerpoint/2010/main" val="264640300"/>
       </p:ext>
     </p:extLst>
   </p:cSld>
   <p:clrMapOvr>
     <a:masterClrMapping/>
   </p:clrMapOvr>
-  <p:timing>
-    <p:tnLst>
-      <p:par>
-        <p:cTn id="1" dur="indefinite" restart="never" nodeType="tmRoot">
-          <p:childTnLst>
-            <p:seq concurrent="1" nextAc="seek">
-              <p:cTn id="2" dur="indefinite" nodeType="mainSeq">
-                <p:childTnLst>
-                  <p:par>
-                    <p:cTn id="3" fill="hold">
-                      <p:stCondLst>
-                        <p:cond delay="indefinite"/>
-                      </p:stCondLst>
-                      <p:childTnLst>
-                        <p:par>
-                          <p:cTn id="4" fill="hold">
-                            <p:stCondLst>
-                              <p:cond delay="0"/>
-                            </p:stCondLst>
-                            <p:childTnLst>
-                              <p:par>
-                                <p:cTn id="5" presetID="42" presetClass="entr" presetSubtype="0" fill="hold" grpId="0" nodeType="clickEffect">
-                                  <p:stCondLst>
-                                    <p:cond delay="0"/>
-                                  </p:stCondLst>
-                                  <p:childTnLst>
-                                    <p:set>
-                                      <p:cBhvr>
-                                        <p:cTn id="6" dur="1" fill="hold">
-                                          <p:stCondLst>
-                                            <p:cond delay="0"/>
-                                          </p:stCondLst>
-                                        </p:cTn>
-                                        <p:tgtEl>
-                                          <p:spTgt spid="3">
-                                            <p:txEl>
-                                              <p:pRg st="0" end="0"/>
-                                            </p:txEl>
-                                          </p:spTgt>
-                                        </p:tgtEl>
-                                        <p:attrNameLst>
-                                          <p:attrName>style.visibility</p:attrName>
-                                        </p:attrNameLst>
-                                      </p:cBhvr>
-                                      <p:to>
-                                        <p:strVal val="visible"/>
-                                      </p:to>
-                                    </p:set>
-                                    <p:animEffect transition="in" filter="fade">
-                                      <p:cBhvr>
-                                        <p:cTn id="7" dur="1000"/>
-                                        <p:tgtEl>
-                                          <p:spTgt spid="3">
-                                            <p:txEl>
-                                              <p:pRg st="0" end="0"/>
-                                            </p:txEl>
-                                          </p:spTgt>
-                                        </p:tgtEl>
-                                      </p:cBhvr>
-                                    </p:animEffect>
-                                    <p:anim calcmode="lin" valueType="num">
-                                      <p:cBhvr>
-                                        <p:cTn id="8" dur="1000" fill="hold"/>
-                                        <p:tgtEl>
-                                          <p:spTgt spid="3">
-                                            <p:txEl>
-                                              <p:pRg st="0" end="0"/>
-                                            </p:txEl>
-                                          </p:spTgt>
-                                        </p:tgtEl>
-                                        <p:attrNameLst>
-                                          <p:attrName>ppt_x</p:attrName>
-                                        </p:attrNameLst>
-                                      </p:cBhvr>
-                                      <p:tavLst>
-                                        <p:tav tm="0">
-                                          <p:val>
-                                            <p:strVal val="#ppt_x"/>
-                                          </p:val>
-                                        </p:tav>
-                                        <p:tav tm="100000">
-                                          <p:val>
-                                            <p:strVal val="#ppt_x"/>
-                                          </p:val>
-                                        </p:tav>
-                                      </p:tavLst>
-                                    </p:anim>
-                                    <p:anim calcmode="lin" valueType="num">
-                                      <p:cBhvr>
-                                        <p:cTn id="9" dur="1000" fill="hold"/>
-                                        <p:tgtEl>
-                                          <p:spTgt spid="3">
-                                            <p:txEl>
-                                              <p:pRg st="0" end="0"/>
-                                            </p:txEl>
-                                          </p:spTgt>
-                                        </p:tgtEl>
-                                        <p:attrNameLst>
-                                          <p:attrName>ppt_y</p:attrName>
-                                        </p:attrNameLst>
-                                      </p:cBhvr>
-                                      <p:tavLst>
-                                        <p:tav tm="0">
-                                          <p:val>
-                                            <p:strVal val="#ppt_y+.1"/>
-                                          </p:val>
-                                        </p:tav>
-                                        <p:tav tm="100000">
-                                          <p:val>
-                                            <p:strVal val="#ppt_y"/>
-                                          </p:val>
-                                        </p:tav>
-                                      </p:tavLst>
-                                    </p:anim>
-                                  </p:childTnLst>
-                                </p:cTn>
-                              </p:par>
-                            </p:childTnLst>
-                          </p:cTn>
-                        </p:par>
-                      </p:childTnLst>
-                    </p:cTn>
-                  </p:par>
-                </p:childTnLst>
-              </p:cTn>
-              <p:prevCondLst>
-                <p:cond evt="onPrev" delay="0">
-                  <p:tgtEl>
-                    <p:sldTgt/>
-                  </p:tgtEl>
-                </p:cond>
-              </p:prevCondLst>
-              <p:nextCondLst>
-                <p:cond evt="onNext" delay="0">
-                  <p:tgtEl>
-                    <p:sldTgt/>
-                  </p:tgtEl>
-                </p:cond>
-              </p:nextCondLst>
-            </p:seq>
-          </p:childTnLst>
-        </p:cTn>
-      </p:par>
-    </p:tnLst>
-    <p:bldLst>
-      <p:bldP spid="3" grpId="0" build="p"/>
-    </p:bldLst>
-  </p:timing>
 </p:sld>
 </file>
 
@@ -3652,27 +3555,7 @@
           <a:bodyPr/>
           <a:lstStyle/>
           <a:p>
-            <a:r>
-              <a:rPr lang="en-US" dirty="0" smtClean="0"/>
-              <a:t>AJAX </a:t>
-            </a:r>
-            <a:r>
-              <a:rPr lang="en-US" dirty="0" err="1" smtClean="0"/>
-              <a:t>là</a:t>
-            </a:r>
-            <a:r>
-              <a:rPr lang="en-US" dirty="0" smtClean="0"/>
-              <a:t> </a:t>
-            </a:r>
-            <a:r>
-              <a:rPr lang="en-US" dirty="0" err="1" smtClean="0"/>
-              <a:t>gì</a:t>
-            </a:r>
-            <a:r>
-              <a:rPr lang="en-US" dirty="0"/>
-              <a:t>?</a:t>
-            </a:r>
-            <a:endParaRPr lang="en-GB" dirty="0"/>
+            <a:endParaRPr lang="en-GB"/>
           </a:p>
         </p:txBody>
       </p:sp>
@@ -3691,969 +3574,10 @@
           <a:bodyPr/>
           <a:lstStyle/>
           <a:p>
-            <a:r>
-              <a:rPr lang="en-US" dirty="0" err="1" smtClean="0"/>
-              <a:t>Không</a:t>
-            </a:r>
-            <a:r>
-              <a:rPr lang="en-US" dirty="0" smtClean="0"/>
-              <a:t> </a:t>
-            </a:r>
-            <a:r>
-              <a:rPr lang="en-US" dirty="0" err="1" smtClean="0"/>
-              <a:t>phải</a:t>
-            </a:r>
-            <a:r>
-              <a:rPr lang="en-US" dirty="0" smtClean="0"/>
-              <a:t> </a:t>
-            </a:r>
-            <a:r>
-              <a:rPr lang="en-US" dirty="0" err="1" smtClean="0"/>
-              <a:t>ngôn</a:t>
-            </a:r>
-            <a:r>
-              <a:rPr lang="en-US" dirty="0" smtClean="0"/>
-              <a:t> </a:t>
-            </a:r>
-            <a:r>
-              <a:rPr lang="en-US" dirty="0" err="1" smtClean="0"/>
-              <a:t>ngữ</a:t>
-            </a:r>
-            <a:r>
-              <a:rPr lang="en-US" dirty="0" smtClean="0"/>
-              <a:t> </a:t>
-            </a:r>
-            <a:r>
-              <a:rPr lang="en-US" dirty="0" err="1" smtClean="0"/>
-              <a:t>lập</a:t>
-            </a:r>
-            <a:r>
-              <a:rPr lang="en-US" dirty="0" smtClean="0"/>
-              <a:t> </a:t>
-            </a:r>
-            <a:r>
-              <a:rPr lang="en-US" dirty="0" err="1" smtClean="0"/>
-              <a:t>trình</a:t>
-            </a:r>
-            <a:endParaRPr lang="en-US" dirty="0" smtClean="0"/>
-          </a:p>
-          <a:p>
-            <a:r>
-              <a:rPr lang="en-GB" dirty="0"/>
-              <a:t>Asynchronous JavaScript and </a:t>
-            </a:r>
-            <a:r>
-              <a:rPr lang="en-GB" dirty="0" smtClean="0"/>
-              <a:t>XML</a:t>
-            </a:r>
-          </a:p>
-          <a:p>
-            <a:pPr lvl="1"/>
-            <a:r>
-              <a:rPr lang="en-GB" dirty="0" smtClean="0"/>
-              <a:t>JavaScript</a:t>
-            </a:r>
-          </a:p>
-          <a:p>
-            <a:pPr lvl="1"/>
-            <a:r>
-              <a:rPr lang="en-GB" dirty="0" smtClean="0"/>
-              <a:t>XML</a:t>
-            </a:r>
-          </a:p>
-          <a:p>
-            <a:pPr lvl="1"/>
-            <a:r>
-              <a:rPr lang="en-GB" dirty="0" err="1" smtClean="0"/>
-              <a:t>Không</a:t>
-            </a:r>
-            <a:r>
-              <a:rPr lang="en-GB" dirty="0" smtClean="0"/>
-              <a:t> </a:t>
-            </a:r>
-            <a:r>
-              <a:rPr lang="en-GB" dirty="0" err="1"/>
-              <a:t>đồng</a:t>
-            </a:r>
-            <a:r>
-              <a:rPr lang="en-GB" dirty="0"/>
-              <a:t> </a:t>
-            </a:r>
-            <a:r>
-              <a:rPr lang="en-GB" dirty="0" err="1" smtClean="0"/>
-              <a:t>bộ</a:t>
-            </a:r>
-            <a:endParaRPr lang="en-GB" dirty="0"/>
-          </a:p>
-          <a:p>
-            <a:pPr marL="514350" indent="-457200"/>
-            <a:r>
-              <a:rPr lang="en-GB" dirty="0" err="1" smtClean="0"/>
-              <a:t>XMLHttpRequest</a:t>
-            </a:r>
-            <a:endParaRPr lang="en-GB" dirty="0" smtClean="0"/>
-          </a:p>
-        </p:txBody>
-      </p:sp>
-    </p:spTree>
-    <p:extLst>
-      <p:ext uri="{BB962C8B-B14F-4D97-AF65-F5344CB8AC3E}">
-        <p14:creationId xmlns:p14="http://schemas.microsoft.com/office/powerpoint/2010/main" val="3876637152"/>
-      </p:ext>
-    </p:extLst>
-  </p:cSld>
-  <p:clrMapOvr>
-    <a:masterClrMapping/>
-  </p:clrMapOvr>
-  <p:timing>
-    <p:tnLst>
-      <p:par>
-        <p:cTn id="1" dur="indefinite" restart="never" nodeType="tmRoot"/>
-      </p:par>
-    </p:tnLst>
-  </p:timing>
-</p:sld>
-</file>
-
-<file path=ppt/slides/slide5.xml><?xml version="1.0" encoding="utf-8"?>
-<p:sld xmlns:a="http://schemas.openxmlformats.org/drawingml/2006/main" xmlns:r="http://schemas.openxmlformats.org/officeDocument/2006/relationships" xmlns:p="http://schemas.openxmlformats.org/presentationml/2006/main">
-  <p:cSld>
-    <p:spTree>
-      <p:nvGrpSpPr>
-        <p:cNvPr id="1" name=""/>
-        <p:cNvGrpSpPr/>
-        <p:nvPr/>
-      </p:nvGrpSpPr>
-      <p:grpSpPr>
-        <a:xfrm>
-          <a:off x="0" y="0"/>
-          <a:ext cx="0" cy="0"/>
-          <a:chOff x="0" y="0"/>
-          <a:chExt cx="0" cy="0"/>
-        </a:xfrm>
-      </p:grpSpPr>
-      <p:sp>
-        <p:nvSpPr>
-          <p:cNvPr id="2" name="Title 1"/>
-          <p:cNvSpPr>
-            <a:spLocks noGrp="1"/>
-          </p:cNvSpPr>
-          <p:nvPr>
-            <p:ph type="title"/>
-          </p:nvPr>
-        </p:nvSpPr>
-        <p:spPr/>
-        <p:txBody>
-          <a:bodyPr/>
-          <a:lstStyle/>
-          <a:p>
-            <a:r>
-              <a:rPr lang="en-US" dirty="0" smtClean="0"/>
-              <a:t>XML</a:t>
-            </a:r>
-            <a:endParaRPr lang="en-GB" dirty="0"/>
-          </a:p>
-        </p:txBody>
-      </p:sp>
-      <p:sp>
-        <p:nvSpPr>
-          <p:cNvPr id="3" name="Content Placeholder 2"/>
-          <p:cNvSpPr>
-            <a:spLocks noGrp="1"/>
-          </p:cNvSpPr>
-          <p:nvPr>
-            <p:ph idx="1"/>
-          </p:nvPr>
-        </p:nvSpPr>
-        <p:spPr>
-          <a:xfrm>
-            <a:off x="457200" y="1600201"/>
-            <a:ext cx="8229600" cy="2438400"/>
-          </a:xfrm>
-        </p:spPr>
-        <p:txBody>
-          <a:bodyPr/>
-          <a:lstStyle/>
-          <a:p>
-            <a:r>
-              <a:rPr lang="en-US" dirty="0" err="1" smtClean="0"/>
-              <a:t>Ngôn</a:t>
-            </a:r>
-            <a:r>
-              <a:rPr lang="en-US" dirty="0" smtClean="0"/>
-              <a:t> </a:t>
-            </a:r>
-            <a:r>
-              <a:rPr lang="en-US" dirty="0" err="1" smtClean="0"/>
-              <a:t>ngữ</a:t>
-            </a:r>
-            <a:r>
-              <a:rPr lang="en-US" dirty="0" smtClean="0"/>
-              <a:t> </a:t>
-            </a:r>
-            <a:r>
-              <a:rPr lang="en-US" dirty="0" err="1" smtClean="0"/>
-              <a:t>đánh</a:t>
-            </a:r>
-            <a:r>
-              <a:rPr lang="en-US" dirty="0" smtClean="0"/>
-              <a:t> </a:t>
-            </a:r>
-            <a:r>
-              <a:rPr lang="en-US" dirty="0" err="1" smtClean="0"/>
-              <a:t>dấu</a:t>
-            </a:r>
-            <a:endParaRPr lang="en-US" dirty="0" smtClean="0"/>
-          </a:p>
-          <a:p>
-            <a:r>
-              <a:rPr lang="en-US" dirty="0" err="1" smtClean="0"/>
-              <a:t>Có</a:t>
-            </a:r>
-            <a:r>
-              <a:rPr lang="en-US" dirty="0" smtClean="0"/>
-              <a:t> </a:t>
-            </a:r>
-            <a:r>
-              <a:rPr lang="en-US" dirty="0" err="1" smtClean="0"/>
-              <a:t>cấu</a:t>
-            </a:r>
-            <a:r>
-              <a:rPr lang="en-US" dirty="0" smtClean="0"/>
-              <a:t> </a:t>
-            </a:r>
-            <a:r>
-              <a:rPr lang="en-US" dirty="0" err="1" smtClean="0"/>
-              <a:t>trúc</a:t>
-            </a:r>
-            <a:r>
-              <a:rPr lang="en-US" dirty="0" smtClean="0"/>
-              <a:t> </a:t>
-            </a:r>
-            <a:r>
-              <a:rPr lang="en-US" dirty="0" err="1" smtClean="0"/>
-              <a:t>thẻ</a:t>
-            </a:r>
-            <a:r>
-              <a:rPr lang="en-US" dirty="0" smtClean="0"/>
-              <a:t> </a:t>
-            </a:r>
-            <a:r>
-              <a:rPr lang="en-US" dirty="0" err="1" smtClean="0"/>
-              <a:t>đóng</a:t>
-            </a:r>
-            <a:r>
-              <a:rPr lang="en-US" dirty="0" smtClean="0"/>
-              <a:t> </a:t>
-            </a:r>
-            <a:r>
-              <a:rPr lang="en-US" dirty="0" err="1" smtClean="0"/>
-              <a:t>mở</a:t>
-            </a:r>
-            <a:r>
-              <a:rPr lang="en-US" dirty="0"/>
-              <a:t> </a:t>
-            </a:r>
-            <a:r>
-              <a:rPr lang="en-US" dirty="0" smtClean="0"/>
-              <a:t> </a:t>
-            </a:r>
-            <a:r>
-              <a:rPr lang="en-US" dirty="0" err="1" smtClean="0"/>
-              <a:t>giống</a:t>
-            </a:r>
-            <a:r>
-              <a:rPr lang="en-US" dirty="0" smtClean="0"/>
-              <a:t> HTML</a:t>
-            </a:r>
-          </a:p>
-          <a:p>
-            <a:r>
-              <a:rPr lang="en-US" dirty="0" err="1" smtClean="0"/>
-              <a:t>Sử</a:t>
-            </a:r>
-            <a:r>
-              <a:rPr lang="en-US" dirty="0" smtClean="0"/>
-              <a:t> </a:t>
-            </a:r>
-            <a:r>
-              <a:rPr lang="en-US" dirty="0" err="1" smtClean="0"/>
-              <a:t>dụng</a:t>
-            </a:r>
-            <a:r>
-              <a:rPr lang="en-US" dirty="0" smtClean="0"/>
-              <a:t> </a:t>
-            </a:r>
-            <a:r>
-              <a:rPr lang="en-US" dirty="0" err="1" smtClean="0"/>
-              <a:t>truyền</a:t>
-            </a:r>
-            <a:r>
-              <a:rPr lang="en-US" dirty="0" smtClean="0"/>
-              <a:t> </a:t>
-            </a:r>
-            <a:r>
-              <a:rPr lang="en-US" dirty="0" err="1" smtClean="0"/>
-              <a:t>dữ</a:t>
-            </a:r>
-            <a:r>
-              <a:rPr lang="en-US" dirty="0" smtClean="0"/>
-              <a:t> </a:t>
-            </a:r>
-            <a:r>
-              <a:rPr lang="en-US" dirty="0" err="1" smtClean="0"/>
-              <a:t>liệu</a:t>
-            </a:r>
-            <a:endParaRPr lang="en-US" dirty="0" smtClean="0"/>
-          </a:p>
-          <a:p>
-            <a:endParaRPr lang="en-GB" dirty="0"/>
-          </a:p>
-        </p:txBody>
-      </p:sp>
-      <p:pic>
-        <p:nvPicPr>
-          <p:cNvPr id="1026" name="Picture 2" descr="Encyclopedia Banner"/>
-          <p:cNvPicPr>
-            <a:picLocks noChangeAspect="1" noChangeArrowheads="1"/>
-          </p:cNvPicPr>
-          <p:nvPr/>
-        </p:nvPicPr>
-        <p:blipFill>
-          <a:blip r:embed="rId2">
-            <a:extLst>
-              <a:ext uri="{28A0092B-C50C-407E-A947-70E740481C1C}">
-                <a14:useLocalDpi xmlns:a14="http://schemas.microsoft.com/office/drawing/2010/main" val="0"/>
-              </a:ext>
-            </a:extLst>
-          </a:blip>
-          <a:srcRect/>
-          <a:stretch>
-            <a:fillRect/>
-          </a:stretch>
-        </p:blipFill>
-        <p:spPr bwMode="auto">
-          <a:xfrm>
-            <a:off x="2497170" y="4030217"/>
-            <a:ext cx="3940947" cy="2270078"/>
-          </a:xfrm>
-          <a:prstGeom prst="rect">
-            <a:avLst/>
-          </a:prstGeom>
-        </p:spPr>
-        <p:style>
-          <a:lnRef idx="2">
-            <a:schemeClr val="accent3"/>
-          </a:lnRef>
-          <a:fillRef idx="1">
-            <a:schemeClr val="lt1"/>
-          </a:fillRef>
-          <a:effectRef idx="0">
-            <a:schemeClr val="accent3"/>
-          </a:effectRef>
-          <a:fontRef idx="minor">
-            <a:schemeClr val="dk1"/>
-          </a:fontRef>
-        </p:style>
-      </p:pic>
-      <p:sp>
-        <p:nvSpPr>
-          <p:cNvPr id="4" name="TextBox 3"/>
-          <p:cNvSpPr txBox="1"/>
-          <p:nvPr/>
-        </p:nvSpPr>
-        <p:spPr>
-          <a:xfrm>
-            <a:off x="2630664" y="6300295"/>
-            <a:ext cx="3807453" cy="400110"/>
-          </a:xfrm>
-          <a:prstGeom prst="rect">
-            <a:avLst/>
-          </a:prstGeom>
-          <a:noFill/>
-        </p:spPr>
-        <p:txBody>
-          <a:bodyPr wrap="none" rtlCol="0">
-            <a:spAutoFit/>
-          </a:bodyPr>
-          <a:lstStyle/>
-          <a:p>
-            <a:r>
-              <a:rPr lang="en-US" sz="2000" dirty="0" smtClean="0"/>
-              <a:t>XML </a:t>
-            </a:r>
-            <a:r>
-              <a:rPr lang="en-US" sz="2000" dirty="0" err="1" smtClean="0"/>
-              <a:t>và</a:t>
-            </a:r>
-            <a:r>
-              <a:rPr lang="en-US" sz="2000" dirty="0" smtClean="0"/>
-              <a:t> HTML </a:t>
-            </a:r>
-            <a:r>
-              <a:rPr lang="en-US" sz="2000" dirty="0" err="1" smtClean="0"/>
-              <a:t>có</a:t>
-            </a:r>
-            <a:r>
-              <a:rPr lang="en-US" sz="2000" dirty="0" smtClean="0"/>
-              <a:t> </a:t>
-            </a:r>
-            <a:r>
-              <a:rPr lang="en-US" sz="2000" dirty="0" err="1" smtClean="0"/>
-              <a:t>cấu</a:t>
-            </a:r>
-            <a:r>
-              <a:rPr lang="en-US" sz="2000" dirty="0" smtClean="0"/>
-              <a:t> </a:t>
-            </a:r>
-            <a:r>
-              <a:rPr lang="en-US" sz="2000" dirty="0" err="1" smtClean="0"/>
-              <a:t>trúc</a:t>
-            </a:r>
-            <a:r>
-              <a:rPr lang="en-US" sz="2000" dirty="0" smtClean="0"/>
-              <a:t> </a:t>
-            </a:r>
-            <a:r>
-              <a:rPr lang="en-US" sz="2000" dirty="0" err="1" smtClean="0"/>
-              <a:t>tương</a:t>
-            </a:r>
-            <a:r>
-              <a:rPr lang="en-US" sz="2000" dirty="0" smtClean="0"/>
-              <a:t> </a:t>
-            </a:r>
-            <a:r>
-              <a:rPr lang="en-US" sz="2000" dirty="0" err="1" smtClean="0"/>
-              <a:t>tự</a:t>
-            </a:r>
-            <a:endParaRPr lang="en-GB" sz="2000" dirty="0"/>
-          </a:p>
-        </p:txBody>
-      </p:sp>
-    </p:spTree>
-    <p:extLst>
-      <p:ext uri="{BB962C8B-B14F-4D97-AF65-F5344CB8AC3E}">
-        <p14:creationId xmlns:p14="http://schemas.microsoft.com/office/powerpoint/2010/main" val="3855422828"/>
-      </p:ext>
-    </p:extLst>
-  </p:cSld>
-  <p:clrMapOvr>
-    <a:masterClrMapping/>
-  </p:clrMapOvr>
-  <p:timing>
-    <p:tnLst>
-      <p:par>
-        <p:cTn id="1" dur="indefinite" restart="never" nodeType="tmRoot"/>
-      </p:par>
-    </p:tnLst>
-  </p:timing>
-</p:sld>
-</file>
-
-<file path=ppt/slides/slide6.xml><?xml version="1.0" encoding="utf-8"?>
-<p:sld xmlns:a="http://schemas.openxmlformats.org/drawingml/2006/main" xmlns:r="http://schemas.openxmlformats.org/officeDocument/2006/relationships" xmlns:p="http://schemas.openxmlformats.org/presentationml/2006/main">
-  <p:cSld>
-    <p:spTree>
-      <p:nvGrpSpPr>
-        <p:cNvPr id="1" name=""/>
-        <p:cNvGrpSpPr/>
-        <p:nvPr/>
-      </p:nvGrpSpPr>
-      <p:grpSpPr>
-        <a:xfrm>
-          <a:off x="0" y="0"/>
-          <a:ext cx="0" cy="0"/>
-          <a:chOff x="0" y="0"/>
-          <a:chExt cx="0" cy="0"/>
-        </a:xfrm>
-      </p:grpSpPr>
-      <p:sp>
-        <p:nvSpPr>
-          <p:cNvPr id="4" name="Title 3"/>
-          <p:cNvSpPr>
-            <a:spLocks noGrp="1"/>
-          </p:cNvSpPr>
-          <p:nvPr>
-            <p:ph type="title"/>
-          </p:nvPr>
-        </p:nvSpPr>
-        <p:spPr/>
-        <p:txBody>
-          <a:bodyPr/>
-          <a:lstStyle/>
-          <a:p>
-            <a:r>
-              <a:rPr lang="en-GB" smtClean="0"/>
-              <a:t>XML HTTP</a:t>
-            </a:r>
-            <a:endParaRPr lang="en-GB" dirty="0"/>
-          </a:p>
-        </p:txBody>
-      </p:sp>
-      <p:sp>
-        <p:nvSpPr>
-          <p:cNvPr id="5" name="Content Placeholder 4"/>
-          <p:cNvSpPr>
-            <a:spLocks noGrp="1"/>
-          </p:cNvSpPr>
-          <p:nvPr>
-            <p:ph idx="1"/>
-          </p:nvPr>
-        </p:nvSpPr>
-        <p:spPr/>
-        <p:txBody>
-          <a:bodyPr/>
-          <a:lstStyle/>
-          <a:p>
-            <a:r>
-              <a:rPr lang="en-GB" dirty="0" smtClean="0"/>
-              <a:t>HTTP</a:t>
-            </a:r>
-          </a:p>
-          <a:p>
-            <a:endParaRPr lang="en-GB" dirty="0" smtClean="0"/>
-          </a:p>
-        </p:txBody>
-      </p:sp>
-    </p:spTree>
-    <p:extLst>
-      <p:ext uri="{BB962C8B-B14F-4D97-AF65-F5344CB8AC3E}">
-        <p14:creationId xmlns:p14="http://schemas.microsoft.com/office/powerpoint/2010/main" val="446898425"/>
-      </p:ext>
-    </p:extLst>
-  </p:cSld>
-  <p:clrMapOvr>
-    <a:masterClrMapping/>
-  </p:clrMapOvr>
-  <p:timing>
-    <p:tnLst>
-      <p:par>
-        <p:cTn id="1" dur="indefinite" restart="never" nodeType="tmRoot"/>
-      </p:par>
-    </p:tnLst>
-  </p:timing>
-</p:sld>
-</file>
-
-<file path=ppt/slides/slide7.xml><?xml version="1.0" encoding="utf-8"?>
-<p:sld xmlns:a="http://schemas.openxmlformats.org/drawingml/2006/main" xmlns:r="http://schemas.openxmlformats.org/officeDocument/2006/relationships" xmlns:p="http://schemas.openxmlformats.org/presentationml/2006/main">
-  <p:cSld>
-    <p:spTree>
-      <p:nvGrpSpPr>
-        <p:cNvPr id="1" name=""/>
-        <p:cNvGrpSpPr/>
-        <p:nvPr/>
-      </p:nvGrpSpPr>
-      <p:grpSpPr>
-        <a:xfrm>
-          <a:off x="0" y="0"/>
-          <a:ext cx="0" cy="0"/>
-          <a:chOff x="0" y="0"/>
-          <a:chExt cx="0" cy="0"/>
-        </a:xfrm>
-      </p:grpSpPr>
-      <p:sp>
-        <p:nvSpPr>
-          <p:cNvPr id="2" name="Title 1"/>
-          <p:cNvSpPr>
-            <a:spLocks noGrp="1"/>
-          </p:cNvSpPr>
-          <p:nvPr>
-            <p:ph type="title"/>
-          </p:nvPr>
-        </p:nvSpPr>
-        <p:spPr/>
-        <p:txBody>
-          <a:bodyPr/>
-          <a:lstStyle/>
-          <a:p>
-            <a:r>
-              <a:rPr lang="en-US" dirty="0" err="1" smtClean="0"/>
-              <a:t>Mục</a:t>
-            </a:r>
-            <a:r>
-              <a:rPr lang="en-US" dirty="0" smtClean="0"/>
-              <a:t> </a:t>
-            </a:r>
-            <a:r>
-              <a:rPr lang="en-US" dirty="0" err="1" smtClean="0"/>
-              <a:t>đích</a:t>
-            </a:r>
-            <a:r>
-              <a:rPr lang="en-US" dirty="0" smtClean="0"/>
-              <a:t> Ajax</a:t>
-            </a:r>
-            <a:endParaRPr lang="en-GB" dirty="0"/>
-          </a:p>
-        </p:txBody>
-      </p:sp>
-      <p:sp>
-        <p:nvSpPr>
-          <p:cNvPr id="3" name="Content Placeholder 2"/>
-          <p:cNvSpPr>
-            <a:spLocks noGrp="1"/>
-          </p:cNvSpPr>
-          <p:nvPr>
-            <p:ph idx="1"/>
-          </p:nvPr>
-        </p:nvSpPr>
-        <p:spPr/>
-        <p:txBody>
-          <a:bodyPr/>
-          <a:lstStyle/>
-          <a:p>
-            <a:r>
-              <a:rPr lang="en-US" dirty="0" err="1" smtClean="0"/>
-              <a:t>Không</a:t>
-            </a:r>
-            <a:r>
-              <a:rPr lang="en-US" dirty="0" smtClean="0"/>
-              <a:t> </a:t>
-            </a:r>
-            <a:r>
-              <a:rPr lang="en-US" dirty="0" err="1" smtClean="0"/>
-              <a:t>tải</a:t>
-            </a:r>
-            <a:r>
-              <a:rPr lang="en-US" dirty="0" smtClean="0"/>
-              <a:t> </a:t>
-            </a:r>
-            <a:r>
-              <a:rPr lang="en-US" dirty="0" err="1" smtClean="0"/>
-              <a:t>lại</a:t>
-            </a:r>
-            <a:r>
-              <a:rPr lang="en-US" dirty="0" smtClean="0"/>
-              <a:t> </a:t>
-            </a:r>
-            <a:r>
-              <a:rPr lang="en-US" dirty="0" err="1" smtClean="0"/>
-              <a:t>trang</a:t>
-            </a:r>
-            <a:r>
-              <a:rPr lang="en-US" dirty="0" smtClean="0"/>
-              <a:t> web </a:t>
-            </a:r>
-            <a:r>
-              <a:rPr lang="en-US" dirty="0" err="1" smtClean="0"/>
-              <a:t>và</a:t>
-            </a:r>
-            <a:r>
-              <a:rPr lang="en-US" dirty="0" smtClean="0"/>
-              <a:t> </a:t>
-            </a:r>
-            <a:r>
-              <a:rPr lang="en-US" dirty="0" err="1" smtClean="0"/>
-              <a:t>thực</a:t>
-            </a:r>
-            <a:r>
-              <a:rPr lang="en-US" dirty="0" smtClean="0"/>
-              <a:t> </a:t>
-            </a:r>
-            <a:r>
-              <a:rPr lang="en-US" dirty="0" err="1" smtClean="0"/>
-              <a:t>hiện</a:t>
-            </a:r>
-            <a:r>
-              <a:rPr lang="en-US" dirty="0" smtClean="0"/>
-              <a:t>:</a:t>
-            </a:r>
-          </a:p>
-          <a:p>
-            <a:pPr lvl="1"/>
-            <a:r>
-              <a:rPr lang="vi-VN" dirty="0"/>
-              <a:t>Cập nhật trang </a:t>
-            </a:r>
-            <a:r>
-              <a:rPr lang="vi-VN" dirty="0" smtClean="0"/>
-              <a:t>web</a:t>
-            </a:r>
-            <a:endParaRPr lang="vi-VN" dirty="0"/>
-          </a:p>
-          <a:p>
-            <a:pPr lvl="1"/>
-            <a:r>
-              <a:rPr lang="vi-VN" dirty="0"/>
-              <a:t>Yêu cầu dữ liệu từ máy </a:t>
-            </a:r>
-            <a:r>
-              <a:rPr lang="vi-VN" dirty="0" smtClean="0"/>
-              <a:t>chủ</a:t>
-            </a:r>
-            <a:endParaRPr lang="en-US" dirty="0" smtClean="0"/>
-          </a:p>
-          <a:p>
-            <a:pPr lvl="1"/>
-            <a:r>
-              <a:rPr lang="vi-VN" dirty="0" smtClean="0"/>
-              <a:t>Nhận </a:t>
-            </a:r>
-            <a:r>
-              <a:rPr lang="vi-VN" dirty="0"/>
-              <a:t>dữ liệu từ máy chủ </a:t>
-            </a:r>
-            <a:endParaRPr lang="en-US" dirty="0" smtClean="0"/>
-          </a:p>
-          <a:p>
-            <a:pPr lvl="1"/>
-            <a:r>
-              <a:rPr lang="vi-VN" dirty="0" smtClean="0"/>
-              <a:t>Gửi </a:t>
-            </a:r>
-            <a:r>
-              <a:rPr lang="vi-VN" dirty="0"/>
-              <a:t>dữ liệu đến máy </a:t>
-            </a:r>
-            <a:r>
-              <a:rPr lang="vi-VN" dirty="0" smtClean="0"/>
-              <a:t>chủ</a:t>
-            </a:r>
-            <a:endParaRPr lang="en-GB" dirty="0" smtClean="0"/>
-          </a:p>
-          <a:p>
-            <a:r>
-              <a:rPr lang="en-US" dirty="0" err="1" smtClean="0"/>
-              <a:t>Tạo</a:t>
-            </a:r>
-            <a:r>
-              <a:rPr lang="en-US" dirty="0" smtClean="0"/>
-              <a:t> </a:t>
-            </a:r>
-            <a:r>
-              <a:rPr lang="en-US" dirty="0" err="1" smtClean="0"/>
-              <a:t>ra</a:t>
-            </a:r>
-            <a:r>
-              <a:rPr lang="en-US" dirty="0" smtClean="0"/>
-              <a:t> </a:t>
-            </a:r>
-            <a:r>
-              <a:rPr lang="en-US" dirty="0" err="1" smtClean="0"/>
-              <a:t>sự</a:t>
-            </a:r>
-            <a:r>
-              <a:rPr lang="en-US" dirty="0" smtClean="0"/>
-              <a:t> </a:t>
-            </a:r>
-            <a:r>
-              <a:rPr lang="en-US" dirty="0" err="1" smtClean="0"/>
-              <a:t>thân</a:t>
-            </a:r>
-            <a:r>
-              <a:rPr lang="en-US" dirty="0" smtClean="0"/>
-              <a:t> </a:t>
-            </a:r>
-            <a:r>
-              <a:rPr lang="en-US" dirty="0" err="1" smtClean="0"/>
-              <a:t>thiện</a:t>
-            </a:r>
-            <a:r>
-              <a:rPr lang="en-US" dirty="0" smtClean="0"/>
-              <a:t> </a:t>
-            </a:r>
-            <a:r>
-              <a:rPr lang="en-US" dirty="0" err="1" smtClean="0"/>
-              <a:t>với</a:t>
-            </a:r>
-            <a:r>
-              <a:rPr lang="en-US" dirty="0" smtClean="0"/>
-              <a:t> </a:t>
-            </a:r>
-            <a:r>
-              <a:rPr lang="en-US" dirty="0" err="1" smtClean="0"/>
-              <a:t>người</a:t>
-            </a:r>
-            <a:r>
-              <a:rPr lang="en-US" dirty="0" smtClean="0"/>
-              <a:t> </a:t>
-            </a:r>
-            <a:r>
-              <a:rPr lang="en-US" dirty="0" err="1" smtClean="0"/>
-              <a:t>dùng</a:t>
-            </a:r>
-            <a:endParaRPr lang="en-US" dirty="0" smtClean="0"/>
-          </a:p>
-        </p:txBody>
-      </p:sp>
-      <p:sp>
-        <p:nvSpPr>
-          <p:cNvPr id="4" name="AutoShape 2" descr="data:image/png;base64,iVBORw0KGgoAAAANSUhEUgAAAaAAAAB5CAMAAABIrgU4AAABnlBMVEX///+amppoaGgAAADGxsaenp7AwMD39/dra2vm5uYoKCgfHx+Xl5eOjo7Dw8OioqJDQ0NKSkrLy8szM//s7Ow/Pz+vr680NDRfX18eHv8SEv9YWFigoJwmJv8BAf8sLP9/f38pKWk6Ov9paf9AQP9jY/+4uLhGRv9PT/9VVf9+fv9bW/9wcP93d/+EhP/V1dWLi/+Skv+Zmf9dXf96enGgoP91dXWmpv+srP/c3NyGhoaxsf+6uv8bGxvDw/8PDw/Jyf9VGBgAAKxmYGaaAABtbc04OGsSEqloaNleXlQ+PkuCgnc0NNQ2NlgnJ3RFRdtYWNIpKdJMTNAcCQlpgmmIYWGBa2txfXEyAABmAACLAABeDQ1qWmpaa2uDu4MZ+Rl5wnmWjZZW3lb7FBTZV1diiGIMDNUAAIEeHqcfH9wPD3W4yK6l/wDBy3grK2EhIUk/P6EmJqEyMqFFRaFRUaGxi4bmi0S3pISLhGsAAFqesZ481Dw8LDx1daFcXKFnZ6GVt5VVVWycnNCLi9hNTXCOjsvTumj/igD/WQD/sgDwpX2xAAARa0lEQVR4nO2dibvrRmHFRxpJI8mSpVG0veglmWxKQhYlIZnEIo5pAnkNFLoCLQ1bKTQtpXtKC20pIS30v+4s2nyfN0m2r+3r873vebmybOvnOXNm0QiAq25PyHE3Sb/tz3fXhYgWbNA0ue0PeMeF6Cy01iq04ui2P+HdVkg28bFmun4FdJtCpNjIx3OugG5Tm/2N81GugG5RW/3NUS4JEFp6IHRbH2U3bfc35aIAmUbnQZokie2TYveXh7O9f6LN2sHfLgkQojDvPIxwnudxBq2dd5Dl27fZpxDztw0S/nZBgAo/WQZk8v+thcf+Z19XPBeGCIUA8QfC/drn2S3K4qM6IvKpW66XJ8vP5QBynXAFoJADciGEvL9EgTAhPvBsdp+wP8fsecLup+zWAxjC7JiE4kx31kuPKj4XA4jBWAaUFUGg+TAE+mIGrLkHPDgDBcQNoBxOAYpK4GJ2tObWsS0uptp0vQJ86YB8aE8gpDNmJS4KEZmAjLCnsxZQqrLnPYiUhcGd7+iATM1YL+3iAUXs8AfMuUBoQyEQ8T/rrcVF8vkQZQzk9DYATXWcrRDO7gQgXgcZMGaAYvlMxm/dFpDvNhsbKrO7WwBE9BXuZkzT/IIB1Y1TGRJMVgeZKrvjUkB4v32CQTxhWyWUsWKbxilyeIBgxSuLe7/l1Bn+cQUgT8vjmzK0iwXEjzCthk8SVT6nAgtSj0CNJTrVS1lImEF+a7K/ZZ7LXhNA16MLC6R27yIUQ3f7RuteKwAFGS1JVyV2LhUQKnm3QV4NQOqyPExJCCyXiB4FVNJc9VmTiRCjiPlIJrvDng/YYWHtWYu4fWN2TPFgQjUgF6tcpmnymzQr3eBCAe0kDmh/ih1kD3W5ClBK/VSI00nTLCJ3G1C2168buyBMyoGvrUrQz3/x3VhRvNjNMidOMb7jJUjba1RjgEAYDSNUA8qnhlZohpbBhWlQzC1OvcOA9isOCCB7UD3UAqoUx1PNyKdXQHuUAMQyOxnyWgmIWdqSnPQKaH+SgESPXv/XynaQTm50Y5P8CmhvqgABNOnvchUgbTrVlhVcAe1NNaAhLlfH7Ko7jkdsocQ7G0CFcuLS06bg9He5JiTwUmPksefF/G5QusW5AMJYNK5PWGk75aF3lqtLkFqVIFPeIaWzH0Cevk9NV72FHwz7aLcjFJFe29eAkihJIt/Hvu9H7G7m7gdQ7m+ckd9TeGV/yXkBAsjv5XJNHfQfSSvbVvcEyHd1ZXzBqT6Ds1j9HucFiLlcH0IVoPe//4ufNyMN2J7Q/QAysK44tNYbA0Vd+RHU1R2O5waon8vVIeH+f7dDQURVXboPQChzWYT5z0q/lPovrn+R+memf+D6J6F/lPpY6EGt9/793372r598ojt+uPJdzg4Qn/+w87YVoFIVQw1S7MduqvkeAE15AfrVF7/47rvvvPPOF77w9ttvvfXmm6+//vprr7366iuvvPK5l19++aWXnn762Wc//+KLL7zw/PPPPffMM0899dQjjzzxxGOP3bt371Guxx9/8n//7ze//eEnawrQOQLCu5tc3VCVZ28VXZmjASW8AH26A5/PCz4VoEcaQILQ4++98TMByF4zTnZ2gJBPd9+4DgmZGA3KIrsaF0q88YDyTFfcXzE+4wB9RVHu32ek152EeW6AUK+hoRqQiXk3gklLqorOBFMZD8hnBUj9dCyg994QKc6Zr32b8wKEfNJn8xqQH/HOntLLdcqnXCWZPhqQ0dRAQwHVBUhEOGXd+5wXIBT18DfQ6eoR+U0vievFHoSTTJmNBCQi3IefjgF0r1OA1kQ4ILp6Tl2drp6+Q98VIFrNR1BFtxbv7InHAqoj3EhAH9zf1AbimmknroC0naX9/K0BpNUBbtZqrMXJCPeu0HBA731VFCB9cuJnwW1UO9zQsyMOtO2gZk5P3QFrjCxBsYhwHI3UQEBVDbQ2wp2FmgG7Xp081WurOsjLl0XH1kE8wqX/w7g0GgKoroEmvb/YKake8u7tb2BpVs/SaQ2lPg5Qzmugz95eVn9AF1GA9jFpRA7Ydeq1kYBkhPv1WzfVM2Zvj3BnITntKhkz7apb/Qj53ihAog302Zsr1KsEfW1rhDsLcUCD/A3cOLtBVj/S5IpRgGxeA/369dXaGdCDS4hwQAAa5m+gARTzuXBc/HgIFTM6HJCIcJ+9tla7AbqQGohPngfD/A20dRC5MbqcedYIQL7DDuuXX92gXQBVbaAzj3BMMcFk8GtvTv2V0soxgESE++CVLdoKqC5A3tAvdyqK4cBTG8BhAMkI97uf26rNgB5cRoRjMkafAhlkjrcsdQQgEeE+eHkXbQD0WB3h1nZj3wlVIcFrMgLLB4JQMBzQnEe4P3hpR60DVEU45dwj3EhVgKYyXYsZ2nKRUmswIBHhPnh6Z60GdDk10DgtD3k3Uv14KCAUsQj34R8920crAFURzrUP+e3PQGu7egbXQXwmgvP1F3vqIUBf0a8FiGttZ+lQQDLC/f4LvbUM6OOLiXAj1Qw3LC9jkVMvHAbI4AXoyecHqQPoa1UButsRDrRD3jeX6/GnA0vQgke433tuoGpAH19KJ8JoNUPenTHvajHMQYBEhHvymeGSgPxrhKu0ambpTFIaAkhGuD98aowYoAd1hLvbbSCuyuIaOrOmCA2qg3iEu/83j4zVNcI14oDKTG3nzjcni1B/ACDMI9xfPzFSVYRT7nyEA3LFxYfXIqtWJOsNSLaBHhupJsKd+zjQPiSWxFy9YOmAJTEhj3A/vjdSD64RrpUoQZ4Y7u60U2tCPQGJCPf1R8fqGuE64nWQR0vX8WJOSPQn5LGnOy7xpj0BoYht9+GPx/Kpe+GSa4QDsgQ1jmYYXiwIsVrJ83rXQbwAOX/1+Eg9WkW4AWuDXqKWAE31uIgri9O03hbHIxz9+ydH6u++eo1wHQmLI6WrcIubelogLc4bYHE8win6/dG6toG64iWI25lMCQwSLzjDLG7u7HFZkUNFOKRNtU7dFsrRld2vfXJ0CYvTtKYS6sS4njE7h1Elv9vrmm7TUh9tvYvIPkwNFGIbT7LWPAOYsDeb2Kd7kp60OFdaXEdyhmkfQGF9YoSBs3YKcWYWm67+GRR61C6FZELPqHdymK9LbVaIOpOgAsgv1xRm8DBvtwcJi9O5xwki8U9zUQc5JTGdvjG7llq2s4PKbTPCDLMzlwgeOhg4/GRE2q65HEBxdmIOxSfJ+M9i5mKXUWNxCeuhfKxb/LGRUvY8ilNzykwSeRk5xrW4li0u/+nf/qTxuF4lCLXXhEJp4jdKCFpz6ahK8bzdGMOi3cvhvvOENHclIJSyGs+DrjcpgZXQnF8pIJlkOfYR28KMcTIDOMF6Ci1GN9ahBxDGcbk4gjMKi2PtVF1aXP6T1uP6AIrtTsWzfJ7Eqgt3dOuo7ramrJHSDI5YTH+bCOzWQSmlKVwUwOJmZy0KbcF+GsoMRBlvecfyajU4BcIFoQL4hQW0GIjJLMoRLs/MASkq5Tm7qYP6WhyKbezo3h4kApznqHY2eLL5VlHYcaYAUre0+QU2cugpigON0IYly3ko4TGf0hnka9TFEGQMGGA/GwpxznagYl3RycEteR/XD0Ixxi7LxTTyR4qZCHsjR01wah4MEE66V3wUFldAhzMglFJSgNCJYBKAhMdIkhZQA6KOqgEBI5ssXGBitjk5XDFvJAAtdZQ25Wg3QKz0uOyXbyb+uGUjzSxJGWc9s7GKVXUgoK3VNs6WfvSyDnIYhUAEOSO0WFCwUiLPFzHdcMLXoHcnDSB+iUFWoFRe6tCBsmZXwuJS9lvYZnEr7Vaam+6YCR6HR8VJxlzSTW2cYgiHAjK3VQomLIoimAHLk5yqFJctUGjTEOlwFkANhdgFvh2gnP3VtWcoWHgNIOgi5EEwhTkKfTzkQ/bTSouT3dndrh6drmo4erW54ZtnUPaULD1OyjjjOZwPLUHlxN8c/qxoMl8sYFqDAcVc3BZQBzM7wZOY7wRHGAE/8fGE1UNIZU1b1lZIU7bdwgHTJMIJK1WezXLdEXK2tLibhB7qLHXNh6vD2M72Ym4Cj6crmc12lAo87GYAIIoLvCWdNxG+/jrVrbggVyFTsxXw5k7koiCsHrdXVOV3gkK8SRgc5ZLEqyzOEF1xStsXxyrum3yYuWXC3Or1ywYLJynbETc3DisVeJJkwIRFVQVbAe2s3mvqHEq7WJzuqje/tzA39hdzwpcLXqWo1eoNatXm1rpkkugD4ivJ0D4BZSdyZnkzJ2GDxbn0xvHyJpkrB2301R3YrPy1PWxkWye3NLdKaQK9IUeZ8gp7f4BORqIvjvcjdCclLFkc87elbx0Kc1M2yk3//Etc3/72n/0pdjdu2phbhScaNpVHFR/yMgF1u3qk4o7F6a659KU9H7tb8Ciu/ce/UwmXGzeWyW2kuQHpb+BSAXXnJHQ8Ts7qWfY35Nmp420dl3u4+2bNds5y6YFDLzRPqwbJJQKiwcZreS/nAwrtLVV+P82XzG1Q3cOl1oX8AgEZkG64WAJJlv0t3e+FRsykjm5pYnuDOx4rfwMXCQgxF3PWSSnT5aOWtmnr/fflzQ4cCFUp/2eSGm+9dmAFKE0WI6aImFlzdwbt01UysGGbrB+rweaNH2Tqm/Sb36CmatIf/QlVVfqtH31re5kiRKXEJNR0q21NVjhpA2iMuYGOv3Gh0xVIBg7vbdzpDaU+df7yhwpJyf3v/cUPTPMH3//ed8vtTmaq8gLHtH6mU4JGmRvo+tupKzrC+Cu3uO98Rxzijz4SDvfRLh63llySJfNx89/UbPs2J6KjAJqMHZRbEoajzA3c8LcT1zEAWRunUA3QuCFjdD7+BnoCspyyPP/J6fnpTmdboR6AUAqFzn36M6LqbX+EHuoBiEASIqRFcK/XfL8FoazflSpuVbsDQjAVtwXcy5i6ludy/FgMQR5nnLFRmh717cZod0AhrH53jhhXLoiviqJU5CHJ4ljuJ+ZPGTQyxcyVOJiJia8PCSkTbpY+R2RAg+17be61DjEExlzuXHJCjxLkQ6c94cKFPk0hZj9+1/YhTLHNo1XBIRL2p0wccRglC7hqklEKo7woXMgnYUhA5rq3XY9ulM7G5Xr0JBTsN6+6mrgfwFTM9CIcFbZmyBMTXvj/MSwRv8fiHoTEKlb8VMtqckcBIyQAbRA8kBup3b64+eRkZfcw/9DD3JgcdsjNhWiLpJAD4gc45AcSTdh/ibwqGbYRgPOVe0ewnudEo0ICmomyWTjUEPudWcggDp8mM2P4DzJTtuNyhX+snrUh6vetwpza3I6gTZhKn8/Rg+LgZpOQlQgPhIt5Kf8UAl5AVqhdb5i/PQdkCSOjEC7gpOC0ccZ/CjH7cTMdaHGxxuWKI8wkPKKsDM6AbBFBXsNUgKYsfVOIGKBF9ScGaPWMQLJkak1IKDkJK2KvC+fQRCCYi1MDDhe4ape7kPEgs57fH7Ny0jlsFSDkp6FNwVIgWwuoOxO9BmRNxD4LVj+F84l8x/BgIUF85MrlLgRQzhMBV8mObyqPcZk2gNjTuSgZtlwRmbAy0AuQBgk/izFmDhouErnHwwKqXe5CAKGEZTIgUhs/qrzDUYOTFpAF52KtXQ/ynpRY1FSrAblNb1GIuoAqYVQBIgcHBMxLmhdn+dUB5EAU1sxMYBK2gEA1MxqVbBMb8hUl4Op1WWZNqyde5B1AsTjvESFwPEDC5S4FEEAaUVNaVfAzaqpiUHPqVjG4aO5Q1RRToZw1Xd/2oqrObFg0gIIq27nBMqAD98pk5uUA2psCfnonMziTM6kBISyqphI6RyxBTDS7AnpI+oK1dLIJD9NtzC7YYzdjVRB7KGozASiB/mHHNxBNroAe0oyw1lImO1v9gpUebm8Wa6lO+Gg2SkUl5fEDN8vgoZdQTK+r0J64iu2bXHXVVVddddVVV905/T8Ups9VQ441mwAAAABJRU5ErkJggg=="/>
-          <p:cNvSpPr>
-            <a:spLocks noChangeAspect="1" noChangeArrowheads="1"/>
-          </p:cNvSpPr>
-          <p:nvPr/>
-        </p:nvSpPr>
-        <p:spPr bwMode="auto">
-          <a:xfrm>
-            <a:off x="155575" y="-144463"/>
-            <a:ext cx="304800" cy="304801"/>
-          </a:xfrm>
-          <a:prstGeom prst="rect">
-            <a:avLst/>
-          </a:prstGeom>
-          <a:noFill/>
-          <a:extLst>
-            <a:ext uri="{909E8E84-426E-40DD-AFC4-6F175D3DCCD1}">
-              <a14:hiddenFill xmlns:a14="http://schemas.microsoft.com/office/drawing/2010/main">
-                <a:solidFill>
-                  <a:srgbClr val="FFFFFF"/>
-                </a:solidFill>
-              </a14:hiddenFill>
-            </a:ext>
-          </a:extLst>
-        </p:spPr>
-        <p:txBody>
-          <a:bodyPr vert="horz" wrap="square" lIns="91440" tIns="45720" rIns="91440" bIns="45720" numCol="1" anchor="t" anchorCtr="0" compatLnSpc="1">
-            <a:prstTxWarp prst="textNoShape">
-              <a:avLst/>
-            </a:prstTxWarp>
-          </a:bodyPr>
-          <a:lstStyle/>
-          <a:p>
             <a:endParaRPr lang="en-GB"/>
           </a:p>
         </p:txBody>
       </p:sp>
-    </p:spTree>
-    <p:extLst>
-      <p:ext uri="{BB962C8B-B14F-4D97-AF65-F5344CB8AC3E}">
-        <p14:creationId xmlns:p14="http://schemas.microsoft.com/office/powerpoint/2010/main" val="264640300"/>
-      </p:ext>
-    </p:extLst>
-  </p:cSld>
-  <p:clrMapOvr>
-    <a:masterClrMapping/>
-  </p:clrMapOvr>
-  <p:timing>
-    <p:tnLst>
-      <p:par>
-        <p:cTn id="1" dur="indefinite" restart="never" nodeType="tmRoot"/>
-      </p:par>
-    </p:tnLst>
-  </p:timing>
-</p:sld>
-</file>
-
-<file path=ppt/slides/slide8.xml><?xml version="1.0" encoding="utf-8"?>
-<p:sld xmlns:a="http://schemas.openxmlformats.org/drawingml/2006/main" xmlns:r="http://schemas.openxmlformats.org/officeDocument/2006/relationships" xmlns:p="http://schemas.openxmlformats.org/presentationml/2006/main">
-  <p:cSld>
-    <p:spTree>
-      <p:nvGrpSpPr>
-        <p:cNvPr id="1" name=""/>
-        <p:cNvGrpSpPr/>
-        <p:nvPr/>
-      </p:nvGrpSpPr>
-      <p:grpSpPr>
-        <a:xfrm>
-          <a:off x="0" y="0"/>
-          <a:ext cx="0" cy="0"/>
-          <a:chOff x="0" y="0"/>
-          <a:chExt cx="0" cy="0"/>
-        </a:xfrm>
-      </p:grpSpPr>
-      <p:sp>
-        <p:nvSpPr>
-          <p:cNvPr id="2" name="Title 1"/>
-          <p:cNvSpPr>
-            <a:spLocks noGrp="1"/>
-          </p:cNvSpPr>
-          <p:nvPr>
-            <p:ph type="title"/>
-          </p:nvPr>
-        </p:nvSpPr>
-        <p:spPr/>
-        <p:txBody>
-          <a:bodyPr/>
-          <a:lstStyle/>
-          <a:p>
-            <a:endParaRPr lang="en-GB"/>
-          </a:p>
-        </p:txBody>
-      </p:sp>
-      <p:sp>
-        <p:nvSpPr>
-          <p:cNvPr id="3" name="Content Placeholder 2"/>
-          <p:cNvSpPr>
-            <a:spLocks noGrp="1"/>
-          </p:cNvSpPr>
-          <p:nvPr>
-            <p:ph idx="1"/>
-          </p:nvPr>
-        </p:nvSpPr>
-        <p:spPr/>
-        <p:txBody>
-          <a:bodyPr/>
-          <a:lstStyle/>
-          <a:p>
-            <a:endParaRPr lang="en-GB" dirty="0"/>
-          </a:p>
-        </p:txBody>
-      </p:sp>
-      <p:pic>
-        <p:nvPicPr>
-          <p:cNvPr id="3074" name="Picture 2"/>
-          <p:cNvPicPr>
-            <a:picLocks noChangeAspect="1" noChangeArrowheads="1"/>
-          </p:cNvPicPr>
-          <p:nvPr/>
-        </p:nvPicPr>
-        <p:blipFill>
-          <a:blip r:embed="rId2">
-            <a:extLst>
-              <a:ext uri="{28A0092B-C50C-407E-A947-70E740481C1C}">
-                <a14:useLocalDpi xmlns:a14="http://schemas.microsoft.com/office/drawing/2010/main" val="0"/>
-              </a:ext>
-            </a:extLst>
-          </a:blip>
-          <a:srcRect/>
-          <a:stretch>
-            <a:fillRect/>
-          </a:stretch>
-        </p:blipFill>
-        <p:spPr bwMode="auto">
-          <a:xfrm>
-            <a:off x="2590800" y="2852738"/>
-            <a:ext cx="3962400" cy="1152525"/>
-          </a:xfrm>
-          <a:prstGeom prst="rect">
-            <a:avLst/>
-          </a:prstGeom>
-          <a:noFill/>
-          <a:ln>
-            <a:noFill/>
-          </a:ln>
-          <a:effectLst/>
-          <a:extLst>
-            <a:ext uri="{909E8E84-426E-40DD-AFC4-6F175D3DCCD1}">
-              <a14:hiddenFill xmlns:a14="http://schemas.microsoft.com/office/drawing/2010/main">
-                <a:solidFill>
-                  <a:schemeClr val="accent1"/>
-                </a:solidFill>
-              </a14:hiddenFill>
-            </a:ext>
-            <a:ext uri="{91240B29-F687-4F45-9708-019B960494DF}">
-              <a14:hiddenLine xmlns:a14="http://schemas.microsoft.com/office/drawing/2010/main" w="9525">
-                <a:solidFill>
-                  <a:schemeClr val="tx1"/>
-                </a:solidFill>
-                <a:miter lim="800000"/>
-                <a:headEnd/>
-                <a:tailEnd/>
-              </a14:hiddenLine>
-            </a:ext>
-            <a:ext uri="{AF507438-7753-43E0-B8FC-AC1667EBCBE1}">
-              <a14:hiddenEffects xmlns:a14="http://schemas.microsoft.com/office/drawing/2010/main">
-                <a:effectLst>
-                  <a:outerShdw dist="35921" dir="2700000" algn="ctr" rotWithShape="0">
-                    <a:schemeClr val="bg2"/>
-                  </a:outerShdw>
-                </a:effectLst>
-              </a14:hiddenEffects>
-            </a:ext>
-          </a:extLst>
-        </p:spPr>
-      </p:pic>
     </p:spTree>
     <p:extLst>
       <p:ext uri="{BB962C8B-B14F-4D97-AF65-F5344CB8AC3E}">
@@ -4664,13 +3588,6 @@
   <p:clrMapOvr>
     <a:masterClrMapping/>
   </p:clrMapOvr>
-  <p:timing>
-    <p:tnLst>
-      <p:par>
-        <p:cTn id="1" dur="indefinite" restart="never" nodeType="tmRoot"/>
-      </p:par>
-    </p:tnLst>
-  </p:timing>
 </p:sld>
 </file>
 
